--- a/БД для домашней библиотеки1.pptx
+++ b/БД для домашней библиотеки1.pptx
@@ -11867,7 +11867,7 @@
               </a:lnSpc>
             </a:pPr>
             <a:r>
-              <a:rPr lang="ru-RU" sz="2800" b="0" strike="noStrike" spc="-1">
+              <a:rPr lang="ru-RU" sz="2800" b="0" strike="noStrike" spc="-1" dirty="0">
                 <a:solidFill>
                   <a:srgbClr val="000000"/>
                 </a:solidFill>
@@ -11876,7 +11876,7 @@
               </a:rPr>
               <a:t>ГПОУ «Сыктывкарский политехнический техникум».</a:t>
             </a:r>
-            <a:endParaRPr lang="ru-RU" sz="2800" b="0" strike="noStrike" spc="-1">
+            <a:endParaRPr lang="ru-RU" sz="2800" b="0" strike="noStrike" spc="-1" dirty="0">
               <a:latin typeface="Arial"/>
             </a:endParaRPr>
           </a:p>
@@ -11886,7 +11886,7 @@
                 <a:spcPct val="100000"/>
               </a:lnSpc>
             </a:pPr>
-            <a:endParaRPr lang="ru-RU" sz="2800" b="0" strike="noStrike" spc="-1">
+            <a:endParaRPr lang="ru-RU" sz="2800" b="0" strike="noStrike" spc="-1" dirty="0">
               <a:latin typeface="Arial"/>
             </a:endParaRPr>
           </a:p>
@@ -11897,7 +11897,7 @@
               </a:lnSpc>
             </a:pPr>
             <a:r>
-              <a:rPr lang="ru-RU" sz="4000" b="0" strike="noStrike" spc="-1">
+              <a:rPr lang="ru-RU" sz="4000" b="0" strike="noStrike" spc="-1" dirty="0">
                 <a:solidFill>
                   <a:srgbClr val="000000"/>
                 </a:solidFill>
@@ -11907,11 +11907,14 @@
               <a:t>Курсовая работа</a:t>
             </a:r>
             <a:r>
+              <a:rPr dirty="0"/>
               <a:t/>
             </a:r>
-            <a:br/>
+            <a:br>
+              <a:rPr dirty="0"/>
+            </a:br>
             <a:r>
-              <a:rPr lang="ru-RU" sz="4000" b="0" strike="noStrike" spc="-1">
+              <a:rPr lang="ru-RU" sz="4000" b="0" strike="noStrike" spc="-1" dirty="0">
                 <a:solidFill>
                   <a:srgbClr val="000000"/>
                 </a:solidFill>
@@ -11921,10 +11924,13 @@
               <a:t>по теме: «БД для домашней библиотеки»</a:t>
             </a:r>
             <a:r>
+              <a:rPr dirty="0"/>
               <a:t/>
             </a:r>
-            <a:br/>
-            <a:endParaRPr lang="ru-RU" sz="4000" b="0" strike="noStrike" spc="-1">
+            <a:br>
+              <a:rPr dirty="0"/>
+            </a:br>
+            <a:endParaRPr lang="ru-RU" sz="4000" b="0" strike="noStrike" spc="-1" dirty="0">
               <a:latin typeface="Arial"/>
             </a:endParaRPr>
           </a:p>
@@ -12039,7 +12045,7 @@
     <mc:Choice Requires="p14">
       <p:transition spd="slow" p14:dur="2000"/>
     </mc:Choice>
-    <mc:Fallback xmlns="" xmlns:p15="http://schemas.microsoft.com/office/powerpoint/2012/main">
+    <mc:Fallback xmlns:p15="http://schemas.microsoft.com/office/powerpoint/2012/main" xmlns="">
       <p:transition spd="slow"/>
     </mc:Fallback>
   </mc:AlternateContent>
@@ -12332,7 +12338,7 @@
     <mc:Choice Requires="p14">
       <p:transition spd="slow" p14:dur="2000"/>
     </mc:Choice>
-    <mc:Fallback xmlns="" xmlns:p15="http://schemas.microsoft.com/office/powerpoint/2012/main">
+    <mc:Fallback xmlns:p15="http://schemas.microsoft.com/office/powerpoint/2012/main" xmlns="">
       <p:transition spd="slow"/>
     </mc:Fallback>
   </mc:AlternateContent>
@@ -12447,7 +12453,7 @@
         </p:style>
         <p:txBody>
           <a:bodyPr lIns="90000" tIns="45000" rIns="90000" bIns="45000">
-            <a:normAutofit fontScale="56000" lnSpcReduction="20000"/>
+            <a:normAutofit fontScale="48500" lnSpcReduction="20000"/>
           </a:bodyPr>
           <a:lstStyle/>
           <a:p>
@@ -12797,7 +12803,7 @@
     <mc:Choice Requires="p14">
       <p:transition spd="slow" p14:dur="2000"/>
     </mc:Choice>
-    <mc:Fallback xmlns="" xmlns:p15="http://schemas.microsoft.com/office/powerpoint/2012/main">
+    <mc:Fallback xmlns:p15="http://schemas.microsoft.com/office/powerpoint/2012/main" xmlns="">
       <p:transition spd="slow"/>
     </mc:Fallback>
   </mc:AlternateContent>
@@ -12928,7 +12934,7 @@
     <mc:Choice Requires="p14">
       <p:transition spd="slow" p14:dur="2000"/>
     </mc:Choice>
-    <mc:Fallback xmlns="" xmlns:p15="http://schemas.microsoft.com/office/powerpoint/2012/main">
+    <mc:Fallback xmlns:p15="http://schemas.microsoft.com/office/powerpoint/2012/main" xmlns="">
       <p:transition spd="slow"/>
     </mc:Fallback>
   </mc:AlternateContent>
@@ -13049,7 +13055,7 @@
     <mc:Choice Requires="p14">
       <p:transition spd="slow" p14:dur="2000"/>
     </mc:Choice>
-    <mc:Fallback xmlns="" xmlns:p15="http://schemas.microsoft.com/office/powerpoint/2012/main">
+    <mc:Fallback xmlns:p15="http://schemas.microsoft.com/office/powerpoint/2012/main" xmlns="">
       <p:transition spd="slow"/>
     </mc:Fallback>
   </mc:AlternateContent>
@@ -13690,7 +13696,7 @@
     <mc:Choice Requires="p14">
       <p:transition spd="slow" p14:dur="2000"/>
     </mc:Choice>
-    <mc:Fallback xmlns="" xmlns:p15="http://schemas.microsoft.com/office/powerpoint/2012/main">
+    <mc:Fallback xmlns:p15="http://schemas.microsoft.com/office/powerpoint/2012/main" xmlns="">
       <p:transition spd="slow"/>
     </mc:Fallback>
   </mc:AlternateContent>
@@ -13857,7 +13863,7 @@
           <p:nvPr>
             <p:extLst>
               <p:ext uri="{D42A27DB-BD31-4B8C-83A1-F6EECF244321}">
-                <p14:modId xmlns:p14="http://schemas.microsoft.com/office/powerpoint/2010/main" val="750189200"/>
+                <p14:modId xmlns:p14="http://schemas.microsoft.com/office/powerpoint/2010/main" val="3431185114"/>
               </p:ext>
             </p:extLst>
           </p:nvPr>
@@ -15045,16 +15051,26 @@
                         </a:spcAft>
                       </a:pPr>
                       <a:r>
-                        <a:rPr lang="ru-RU" sz="2000" b="0" strike="noStrike" spc="-1">
+                        <a:rPr lang="ru-RU" sz="2000" b="0" strike="noStrike" spc="-1" dirty="0" smtClean="0">
                           <a:solidFill>
                             <a:srgbClr val="000000"/>
                           </a:solidFill>
                           <a:latin typeface="Times New Roman"/>
                           <a:ea typeface="Noto Serif CJK SC"/>
                         </a:rPr>
-                        <a:t>VARCHAR(50)</a:t>
+                        <a:t>VARCHAR(100</a:t>
                       </a:r>
-                      <a:endParaRPr lang="ru-RU" sz="2000" b="0" strike="noStrike" spc="-1">
+                      <a:r>
+                        <a:rPr lang="ru-RU" sz="2000" b="0" strike="noStrike" spc="-1" dirty="0">
+                          <a:solidFill>
+                            <a:srgbClr val="000000"/>
+                          </a:solidFill>
+                          <a:latin typeface="Times New Roman"/>
+                          <a:ea typeface="Noto Serif CJK SC"/>
+                        </a:rPr>
+                        <a:t>)</a:t>
+                      </a:r>
+                      <a:endParaRPr lang="ru-RU" sz="2000" b="0" strike="noStrike" spc="-1" dirty="0">
                         <a:latin typeface="Arial"/>
                       </a:endParaRPr>
                     </a:p>
@@ -15312,7 +15328,7 @@
     <mc:Choice Requires="p14">
       <p:transition spd="slow" p14:dur="2000"/>
     </mc:Choice>
-    <mc:Fallback xmlns="" xmlns:p15="http://schemas.microsoft.com/office/powerpoint/2012/main">
+    <mc:Fallback xmlns:p15="http://schemas.microsoft.com/office/powerpoint/2012/main" xmlns="">
       <p:transition spd="slow"/>
     </mc:Fallback>
   </mc:AlternateContent>
@@ -16175,7 +16191,7 @@
     <mc:Choice Requires="p14">
       <p:transition spd="slow" p14:dur="2000"/>
     </mc:Choice>
-    <mc:Fallback xmlns="" xmlns:p15="http://schemas.microsoft.com/office/powerpoint/2012/main">
+    <mc:Fallback xmlns:p15="http://schemas.microsoft.com/office/powerpoint/2012/main" xmlns="">
       <p:transition spd="slow"/>
     </mc:Fallback>
   </mc:AlternateContent>
@@ -17460,7 +17476,7 @@
     <mc:Choice Requires="p14">
       <p:transition spd="slow" p14:dur="2000"/>
     </mc:Choice>
-    <mc:Fallback xmlns="" xmlns:p15="http://schemas.microsoft.com/office/powerpoint/2012/main">
+    <mc:Fallback xmlns:p15="http://schemas.microsoft.com/office/powerpoint/2012/main" xmlns="">
       <p:transition spd="slow"/>
     </mc:Fallback>
   </mc:AlternateContent>
@@ -18162,7 +18178,7 @@
     <mc:Choice Requires="p14">
       <p:transition spd="slow" p14:dur="2000"/>
     </mc:Choice>
-    <mc:Fallback xmlns="" xmlns:p15="http://schemas.microsoft.com/office/powerpoint/2012/main">
+    <mc:Fallback xmlns:p15="http://schemas.microsoft.com/office/powerpoint/2012/main" xmlns="">
       <p:transition spd="slow"/>
     </mc:Fallback>
   </mc:AlternateContent>

--- a/БД для домашней библиотеки1.pptx
+++ b/БД для домашней библиотеки1.pptx
@@ -12045,7 +12045,7 @@
     <mc:Choice Requires="p14">
       <p:transition spd="slow" p14:dur="2000"/>
     </mc:Choice>
-    <mc:Fallback xmlns:p15="http://schemas.microsoft.com/office/powerpoint/2012/main" xmlns="">
+    <mc:Fallback xmlns="" xmlns:p15="http://schemas.microsoft.com/office/powerpoint/2012/main">
       <p:transition spd="slow"/>
     </mc:Fallback>
   </mc:AlternateContent>
@@ -12338,7 +12338,7 @@
     <mc:Choice Requires="p14">
       <p:transition spd="slow" p14:dur="2000"/>
     </mc:Choice>
-    <mc:Fallback xmlns:p15="http://schemas.microsoft.com/office/powerpoint/2012/main" xmlns="">
+    <mc:Fallback xmlns="" xmlns:p15="http://schemas.microsoft.com/office/powerpoint/2012/main">
       <p:transition spd="slow"/>
     </mc:Fallback>
   </mc:AlternateContent>
@@ -12803,7 +12803,7 @@
     <mc:Choice Requires="p14">
       <p:transition spd="slow" p14:dur="2000"/>
     </mc:Choice>
-    <mc:Fallback xmlns:p15="http://schemas.microsoft.com/office/powerpoint/2012/main" xmlns="">
+    <mc:Fallback xmlns="" xmlns:p15="http://schemas.microsoft.com/office/powerpoint/2012/main">
       <p:transition spd="slow"/>
     </mc:Fallback>
   </mc:AlternateContent>
@@ -12934,7 +12934,7 @@
     <mc:Choice Requires="p14">
       <p:transition spd="slow" p14:dur="2000"/>
     </mc:Choice>
-    <mc:Fallback xmlns:p15="http://schemas.microsoft.com/office/powerpoint/2012/main" xmlns="">
+    <mc:Fallback xmlns="" xmlns:p15="http://schemas.microsoft.com/office/powerpoint/2012/main">
       <p:transition spd="slow"/>
     </mc:Fallback>
   </mc:AlternateContent>
@@ -13018,7 +13018,7 @@
       </p:sp>
       <p:pic>
         <p:nvPicPr>
-          <p:cNvPr id="2" name="Рисунок 1"/>
+          <p:cNvPr id="3" name="Рисунок 2"/>
           <p:cNvPicPr>
             <a:picLocks noChangeAspect="1"/>
           </p:cNvPicPr>
@@ -13038,8 +13038,8 @@
         </p:blipFill>
         <p:spPr>
           <a:xfrm>
-            <a:off x="1370426" y="1143255"/>
-            <a:ext cx="6401707" cy="5025544"/>
+            <a:off x="1262222" y="979200"/>
+            <a:ext cx="6618116" cy="5195432"/>
           </a:xfrm>
           <a:prstGeom prst="rect">
             <a:avLst/>
@@ -13055,7 +13055,7 @@
     <mc:Choice Requires="p14">
       <p:transition spd="slow" p14:dur="2000"/>
     </mc:Choice>
-    <mc:Fallback xmlns:p15="http://schemas.microsoft.com/office/powerpoint/2012/main" xmlns="">
+    <mc:Fallback xmlns="" xmlns:p15="http://schemas.microsoft.com/office/powerpoint/2012/main">
       <p:transition spd="slow"/>
     </mc:Fallback>
   </mc:AlternateContent>
@@ -13696,7 +13696,7 @@
     <mc:Choice Requires="p14">
       <p:transition spd="slow" p14:dur="2000"/>
     </mc:Choice>
-    <mc:Fallback xmlns:p15="http://schemas.microsoft.com/office/powerpoint/2012/main" xmlns="">
+    <mc:Fallback xmlns="" xmlns:p15="http://schemas.microsoft.com/office/powerpoint/2012/main">
       <p:transition spd="slow"/>
     </mc:Fallback>
   </mc:AlternateContent>
@@ -15328,7 +15328,7 @@
     <mc:Choice Requires="p14">
       <p:transition spd="slow" p14:dur="2000"/>
     </mc:Choice>
-    <mc:Fallback xmlns:p15="http://schemas.microsoft.com/office/powerpoint/2012/main" xmlns="">
+    <mc:Fallback xmlns="" xmlns:p15="http://schemas.microsoft.com/office/powerpoint/2012/main">
       <p:transition spd="slow"/>
     </mc:Fallback>
   </mc:AlternateContent>
@@ -16191,7 +16191,7 @@
     <mc:Choice Requires="p14">
       <p:transition spd="slow" p14:dur="2000"/>
     </mc:Choice>
-    <mc:Fallback xmlns:p15="http://schemas.microsoft.com/office/powerpoint/2012/main" xmlns="">
+    <mc:Fallback xmlns="" xmlns:p15="http://schemas.microsoft.com/office/powerpoint/2012/main">
       <p:transition spd="slow"/>
     </mc:Fallback>
   </mc:AlternateContent>
@@ -17476,7 +17476,7 @@
     <mc:Choice Requires="p14">
       <p:transition spd="slow" p14:dur="2000"/>
     </mc:Choice>
-    <mc:Fallback xmlns:p15="http://schemas.microsoft.com/office/powerpoint/2012/main" xmlns="">
+    <mc:Fallback xmlns="" xmlns:p15="http://schemas.microsoft.com/office/powerpoint/2012/main">
       <p:transition spd="slow"/>
     </mc:Fallback>
   </mc:AlternateContent>
@@ -18178,7 +18178,7 @@
     <mc:Choice Requires="p14">
       <p:transition spd="slow" p14:dur="2000"/>
     </mc:Choice>
-    <mc:Fallback xmlns:p15="http://schemas.microsoft.com/office/powerpoint/2012/main" xmlns="">
+    <mc:Fallback xmlns="" xmlns:p15="http://schemas.microsoft.com/office/powerpoint/2012/main">
       <p:transition spd="slow"/>
     </mc:Fallback>
   </mc:AlternateContent>

--- a/БД для домашней библиотеки1.pptx
+++ b/БД для домашней библиотеки1.pptx
@@ -116,6 +116,11 @@
       </a:defRPr>
     </a:lvl9pPr>
   </p:defaultTextStyle>
+  <p:extLst>
+    <p:ext uri="{EFAFB233-063F-42B5-8137-9DF3F51BA10A}">
+      <p15:sldGuideLst xmlns:p15="http://schemas.microsoft.com/office/powerpoint/2012/main"/>
+    </p:ext>
+  </p:extLst>
 </p:presentation>
 </file>
 
@@ -8523,7 +8528,7 @@
         </p:style>
         <p:txBody>
           <a:bodyPr lIns="90000" tIns="45000" rIns="90000" bIns="45000">
-            <a:normAutofit fontScale="79000" lnSpcReduction="10000"/>
+            <a:normAutofit fontScale="86500" lnSpcReduction="20000"/>
           </a:bodyPr>
           <a:lstStyle/>
           <a:p>
@@ -8599,7 +8604,7 @@
     <mc:Choice Requires="p14">
       <p:transition spd="slow" p14:dur="2000"/>
     </mc:Choice>
-    <mc:Fallback xmlns:p15="http://schemas.microsoft.com/office/powerpoint/2012/main" xmlns="">
+    <mc:Fallback xmlns="" xmlns:p15="http://schemas.microsoft.com/office/powerpoint/2012/main">
       <p:transition spd="slow"/>
     </mc:Fallback>
   </mc:AlternateContent>
@@ -8822,7 +8827,7 @@
     <mc:Choice Requires="p14">
       <p:transition spd="slow" p14:dur="2000"/>
     </mc:Choice>
-    <mc:Fallback xmlns:p15="http://schemas.microsoft.com/office/powerpoint/2012/main" xmlns="">
+    <mc:Fallback xmlns="" xmlns:p15="http://schemas.microsoft.com/office/powerpoint/2012/main">
       <p:transition spd="slow"/>
     </mc:Fallback>
   </mc:AlternateContent>
@@ -8937,7 +8942,7 @@
         </p:style>
         <p:txBody>
           <a:bodyPr lIns="90000" tIns="45000" rIns="90000" bIns="45000">
-            <a:normAutofit fontScale="48500" lnSpcReduction="10000"/>
+            <a:normAutofit fontScale="56000" lnSpcReduction="20000"/>
           </a:bodyPr>
           <a:lstStyle/>
           <a:p>
@@ -9287,7 +9292,7 @@
     <mc:Choice Requires="p14">
       <p:transition spd="slow" p14:dur="2000"/>
     </mc:Choice>
-    <mc:Fallback xmlns:p15="http://schemas.microsoft.com/office/powerpoint/2012/main" xmlns="">
+    <mc:Fallback xmlns="" xmlns:p15="http://schemas.microsoft.com/office/powerpoint/2012/main">
       <p:transition spd="slow"/>
     </mc:Fallback>
   </mc:AlternateContent>
@@ -9381,25 +9386,32 @@
       </p:sp>
       <p:pic>
         <p:nvPicPr>
-          <p:cNvPr id="157" name="Рисунок 156"/>
-          <p:cNvPicPr/>
+          <p:cNvPr id="2" name="Рисунок 1"/>
+          <p:cNvPicPr>
+            <a:picLocks noChangeAspect="1"/>
+          </p:cNvPicPr>
           <p:nvPr/>
         </p:nvPicPr>
         <p:blipFill>
-          <a:blip r:embed="rId2"/>
-          <a:stretch/>
+          <a:blip r:embed="rId2">
+            <a:extLst>
+              <a:ext uri="{28A0092B-C50C-407E-A947-70E740481C1C}">
+                <a14:useLocalDpi xmlns:a14="http://schemas.microsoft.com/office/drawing/2010/main" val="0"/>
+              </a:ext>
+            </a:extLst>
+          </a:blip>
+          <a:stretch>
+            <a:fillRect/>
+          </a:stretch>
         </p:blipFill>
         <p:spPr>
           <a:xfrm>
-            <a:off x="1734120" y="1008000"/>
-            <a:ext cx="5609880" cy="5331600"/>
-          </a:xfrm>
-          <a:prstGeom prst="rect">
-            <a:avLst/>
-          </a:prstGeom>
-          <a:ln>
-            <a:noFill/>
-          </a:ln>
+            <a:off x="1686023" y="906840"/>
+            <a:ext cx="5770154" cy="5483849"/>
+          </a:xfrm>
+          <a:prstGeom prst="rect">
+            <a:avLst/>
+          </a:prstGeom>
         </p:spPr>
       </p:pic>
     </p:spTree>
@@ -9411,7 +9423,7 @@
     <mc:Choice Requires="p14">
       <p:transition spd="slow" p14:dur="2000"/>
     </mc:Choice>
-    <mc:Fallback xmlns:p15="http://schemas.microsoft.com/office/powerpoint/2012/main" xmlns="">
+    <mc:Fallback xmlns="" xmlns:p15="http://schemas.microsoft.com/office/powerpoint/2012/main">
       <p:transition spd="slow"/>
     </mc:Fallback>
   </mc:AlternateContent>
@@ -9495,7 +9507,7 @@
       </p:sp>
       <p:pic>
         <p:nvPicPr>
-          <p:cNvPr id="2" name="Рисунок 1"/>
+          <p:cNvPr id="3" name="Рисунок 2"/>
           <p:cNvPicPr>
             <a:picLocks noChangeAspect="1"/>
           </p:cNvPicPr>
@@ -9515,8 +9527,8 @@
         </p:blipFill>
         <p:spPr>
           <a:xfrm>
-            <a:off x="1826482" y="978840"/>
-            <a:ext cx="5489235" cy="5291331"/>
+            <a:off x="1867589" y="978840"/>
+            <a:ext cx="5407021" cy="5212081"/>
           </a:xfrm>
           <a:prstGeom prst="rect">
             <a:avLst/>
@@ -9532,7 +9544,7 @@
     <mc:Choice Requires="p14">
       <p:transition spd="slow" p14:dur="2000"/>
     </mc:Choice>
-    <mc:Fallback xmlns:p15="http://schemas.microsoft.com/office/powerpoint/2012/main" xmlns="">
+    <mc:Fallback xmlns="" xmlns:p15="http://schemas.microsoft.com/office/powerpoint/2012/main">
       <p:transition spd="slow"/>
     </mc:Fallback>
   </mc:AlternateContent>
@@ -9657,7 +9669,7 @@
         </p:style>
         <p:txBody>
           <a:bodyPr lIns="90000" tIns="45000" rIns="90000" bIns="45000">
-            <a:normAutofit fontScale="32500" lnSpcReduction="10000"/>
+            <a:normAutofit fontScale="32500" lnSpcReduction="20000"/>
           </a:bodyPr>
           <a:lstStyle/>
           <a:p>
@@ -10352,7 +10364,7 @@
     <mc:Choice Requires="p14">
       <p:transition spd="slow" p14:dur="2000"/>
     </mc:Choice>
-    <mc:Fallback xmlns:p15="http://schemas.microsoft.com/office/powerpoint/2012/main" xmlns="">
+    <mc:Fallback xmlns="" xmlns:p15="http://schemas.microsoft.com/office/powerpoint/2012/main">
       <p:transition spd="slow"/>
     </mc:Fallback>
   </mc:AlternateContent>
@@ -10509,35 +10521,35 @@
           <p:nvPr>
             <p:extLst>
               <p:ext uri="{D42A27DB-BD31-4B8C-83A1-F6EECF244321}">
-                <p14:modId xmlns:p14="http://schemas.microsoft.com/office/powerpoint/2010/main" val="3926141334"/>
+                <p14:modId xmlns:p14="http://schemas.microsoft.com/office/powerpoint/2010/main" val="4222723482"/>
               </p:ext>
             </p:extLst>
           </p:nvPr>
         </p:nvGraphicFramePr>
         <p:xfrm>
-          <a:off x="696600" y="1640160"/>
-          <a:ext cx="7881343" cy="4760642"/>
+          <a:off x="855580" y="1527194"/>
+          <a:ext cx="7431400" cy="4949128"/>
         </p:xfrm>
         <a:graphic>
           <a:graphicData uri="http://schemas.openxmlformats.org/drawingml/2006/table">
             <a:tbl>
               <a:tblPr/>
               <a:tblGrid>
-                <a:gridCol w="2626285">
+                <a:gridCol w="2476351">
                   <a:extLst>
                     <a:ext uri="{9D8B030D-6E8A-4147-A177-3AD203B41FA5}">
                       <a16:colId xmlns:a16="http://schemas.microsoft.com/office/drawing/2014/main" val="20000"/>
                     </a:ext>
                   </a:extLst>
                 </a:gridCol>
-                <a:gridCol w="2626996">
+                <a:gridCol w="2477022">
                   <a:extLst>
                     <a:ext uri="{9D8B030D-6E8A-4147-A177-3AD203B41FA5}">
                       <a16:colId xmlns:a16="http://schemas.microsoft.com/office/drawing/2014/main" val="20001"/>
                     </a:ext>
                   </a:extLst>
                 </a:gridCol>
-                <a:gridCol w="2628062">
+                <a:gridCol w="2478027">
                   <a:extLst>
                     <a:ext uri="{9D8B030D-6E8A-4147-A177-3AD203B41FA5}">
                       <a16:colId xmlns:a16="http://schemas.microsoft.com/office/drawing/2014/main" val="20002"/>
@@ -10545,7 +10557,7 @@
                   </a:extLst>
                 </a:gridCol>
               </a:tblGrid>
-              <a:tr h="457434">
+              <a:tr h="431951">
                 <a:tc>
                   <a:txBody>
                     <a:bodyPr/>
@@ -10714,7 +10726,7 @@
                   </a:ext>
                 </a:extLst>
               </a:tr>
-              <a:tr h="457434">
+              <a:tr h="431951">
                 <a:tc>
                   <a:txBody>
                     <a:bodyPr/>
@@ -10837,7 +10849,7 @@
                         </a:spcAft>
                       </a:pPr>
                       <a:r>
-                        <a:rPr lang="ru-RU" sz="2000" b="0" strike="noStrike" spc="-1">
+                        <a:rPr lang="ru-RU" sz="2000" b="0" strike="noStrike" spc="-1" dirty="0">
                           <a:solidFill>
                             <a:srgbClr val="000000"/>
                           </a:solidFill>
@@ -10847,7 +10859,7 @@
                         </a:rPr>
                         <a:t>Ключ</a:t>
                       </a:r>
-                      <a:endParaRPr lang="ru-RU" sz="2000" b="0" strike="noStrike" spc="-1">
+                      <a:endParaRPr lang="ru-RU" sz="2000" b="0" strike="noStrike" spc="-1" dirty="0">
                         <a:latin typeface="Times New Roman" panose="02020603050405020304" pitchFamily="18" charset="0"/>
                         <a:cs typeface="Times New Roman" panose="02020603050405020304" pitchFamily="18" charset="0"/>
                       </a:endParaRPr>
@@ -10883,7 +10895,7 @@
                   </a:ext>
                 </a:extLst>
               </a:tr>
-              <a:tr h="457434">
+              <a:tr h="431951">
                 <a:tc>
                   <a:txBody>
                     <a:bodyPr/>
@@ -11033,7 +11045,7 @@
                   </a:ext>
                 </a:extLst>
               </a:tr>
-              <a:tr h="457434">
+              <a:tr h="431951">
                 <a:tc>
                   <a:txBody>
                     <a:bodyPr/>
@@ -11183,7 +11195,7 @@
                   </a:ext>
                 </a:extLst>
               </a:tr>
-              <a:tr h="457434">
+              <a:tr h="431951">
                 <a:tc>
                   <a:txBody>
                     <a:bodyPr/>
@@ -11297,7 +11309,7 @@
                     <a:bodyPr/>
                     <a:lstStyle/>
                     <a:p>
-                      <a:endParaRPr lang="ru-RU">
+                      <a:endParaRPr lang="ru-RU" dirty="0">
                         <a:latin typeface="Times New Roman" panose="02020603050405020304" pitchFamily="18" charset="0"/>
                         <a:cs typeface="Times New Roman" panose="02020603050405020304" pitchFamily="18" charset="0"/>
                       </a:endParaRPr>
@@ -11333,7 +11345,7 @@
                   </a:ext>
                 </a:extLst>
               </a:tr>
-              <a:tr h="457434">
+              <a:tr h="431951">
                 <a:tc>
                   <a:txBody>
                     <a:bodyPr/>
@@ -11483,7 +11495,7 @@
                   </a:ext>
                 </a:extLst>
               </a:tr>
-              <a:tr h="457434">
+              <a:tr h="431951">
                 <a:tc>
                   <a:txBody>
                     <a:bodyPr/>
@@ -11633,7 +11645,7 @@
                   </a:ext>
                 </a:extLst>
               </a:tr>
-              <a:tr h="457434">
+              <a:tr h="431951">
                 <a:tc>
                   <a:txBody>
                     <a:bodyPr/>
@@ -11783,7 +11795,7 @@
                   </a:ext>
                 </a:extLst>
               </a:tr>
-              <a:tr h="703525">
+              <a:tr h="675289">
                 <a:tc>
                   <a:txBody>
                     <a:bodyPr/>
@@ -11975,7 +11987,7 @@
                   </a:ext>
                 </a:extLst>
               </a:tr>
-              <a:tr h="397645">
+              <a:tr h="381685">
                 <a:tc>
                   <a:txBody>
                     <a:bodyPr/>
@@ -12037,10 +12049,14 @@
                       <a:headEnd type="none" w="med" len="med"/>
                       <a:tailEnd type="none" w="med" len="med"/>
                     </a:lnT>
-                    <a:lnB w="12240">
-                      <a:solidFill>
-                        <a:srgbClr val="000000"/>
-                      </a:solidFill>
+                    <a:lnB w="12240" cap="flat" cmpd="sng" algn="ctr">
+                      <a:solidFill>
+                        <a:srgbClr val="000000"/>
+                      </a:solidFill>
+                      <a:prstDash val="solid"/>
+                      <a:round/>
+                      <a:headEnd type="none" w="med" len="med"/>
+                      <a:tailEnd type="none" w="med" len="med"/>
                     </a:lnB>
                     <a:noFill/>
                   </a:tcPr>
@@ -12099,10 +12115,14 @@
                       <a:headEnd type="none" w="med" len="med"/>
                       <a:tailEnd type="none" w="med" len="med"/>
                     </a:lnT>
-                    <a:lnB w="12240">
-                      <a:solidFill>
-                        <a:srgbClr val="000000"/>
-                      </a:solidFill>
+                    <a:lnB w="12240" cap="flat" cmpd="sng" algn="ctr">
+                      <a:solidFill>
+                        <a:srgbClr val="000000"/>
+                      </a:solidFill>
+                      <a:prstDash val="solid"/>
+                      <a:round/>
+                      <a:headEnd type="none" w="med" len="med"/>
+                      <a:tailEnd type="none" w="med" len="med"/>
                     </a:lnB>
                     <a:noFill/>
                   </a:tcPr>
@@ -12154,10 +12174,14 @@
                       <a:headEnd type="none" w="med" len="med"/>
                       <a:tailEnd type="none" w="med" len="med"/>
                     </a:lnT>
-                    <a:lnB w="12240">
-                      <a:solidFill>
-                        <a:srgbClr val="000000"/>
-                      </a:solidFill>
+                    <a:lnB w="12240" cap="flat" cmpd="sng" algn="ctr">
+                      <a:solidFill>
+                        <a:srgbClr val="000000"/>
+                      </a:solidFill>
+                      <a:prstDash val="solid"/>
+                      <a:round/>
+                      <a:headEnd type="none" w="med" len="med"/>
+                      <a:tailEnd type="none" w="med" len="med"/>
                     </a:lnB>
                     <a:noFill/>
                   </a:tcPr>
@@ -12165,6 +12189,192 @@
                 <a:extLst>
                   <a:ext uri="{0D108BD9-81ED-4DB2-BD59-A6C34878D82A}">
                     <a16:rowId xmlns:a16="http://schemas.microsoft.com/office/drawing/2014/main" val="608887019"/>
+                  </a:ext>
+                </a:extLst>
+              </a:tr>
+              <a:tr h="381685">
+                <a:tc>
+                  <a:txBody>
+                    <a:bodyPr/>
+                    <a:lstStyle/>
+                    <a:p>
+                      <a:pPr>
+                        <a:lnSpc>
+                          <a:spcPct val="100000"/>
+                        </a:lnSpc>
+                        <a:spcAft>
+                          <a:spcPts val="1001"/>
+                        </a:spcAft>
+                      </a:pPr>
+                      <a:r>
+                        <a:rPr lang="ru-RU" sz="2000" b="0" strike="noStrike" spc="-1" dirty="0" smtClean="0">
+                          <a:latin typeface="Times New Roman" panose="02020603050405020304" pitchFamily="18" charset="0"/>
+                          <a:cs typeface="Times New Roman" panose="02020603050405020304" pitchFamily="18" charset="0"/>
+                        </a:rPr>
+                        <a:t>количество</a:t>
+                      </a:r>
+                      <a:endParaRPr lang="ru-RU" sz="2000" b="0" strike="noStrike" spc="-1" dirty="0">
+                        <a:latin typeface="Times New Roman" panose="02020603050405020304" pitchFamily="18" charset="0"/>
+                        <a:cs typeface="Times New Roman" panose="02020603050405020304" pitchFamily="18" charset="0"/>
+                      </a:endParaRPr>
+                    </a:p>
+                  </a:txBody>
+                  <a:tcPr marL="34920" marR="34920">
+                    <a:lnL w="12240" cap="flat" cmpd="sng" algn="ctr">
+                      <a:solidFill>
+                        <a:srgbClr val="000000"/>
+                      </a:solidFill>
+                      <a:prstDash val="solid"/>
+                      <a:round/>
+                      <a:headEnd type="none" w="med" len="med"/>
+                      <a:tailEnd type="none" w="med" len="med"/>
+                    </a:lnL>
+                    <a:lnR w="12240" cap="flat" cmpd="sng" algn="ctr">
+                      <a:solidFill>
+                        <a:srgbClr val="000000"/>
+                      </a:solidFill>
+                      <a:prstDash val="solid"/>
+                      <a:round/>
+                      <a:headEnd type="none" w="med" len="med"/>
+                      <a:tailEnd type="none" w="med" len="med"/>
+                    </a:lnR>
+                    <a:lnT w="12240" cap="flat" cmpd="sng" algn="ctr">
+                      <a:solidFill>
+                        <a:srgbClr val="000000"/>
+                      </a:solidFill>
+                      <a:prstDash val="solid"/>
+                      <a:round/>
+                      <a:headEnd type="none" w="med" len="med"/>
+                      <a:tailEnd type="none" w="med" len="med"/>
+                    </a:lnT>
+                    <a:lnB w="12240">
+                      <a:solidFill>
+                        <a:srgbClr val="000000"/>
+                      </a:solidFill>
+                    </a:lnB>
+                    <a:noFill/>
+                  </a:tcPr>
+                </a:tc>
+                <a:tc>
+                  <a:txBody>
+                    <a:bodyPr/>
+                    <a:lstStyle/>
+                    <a:p>
+                      <a:pPr>
+                        <a:lnSpc>
+                          <a:spcPct val="100000"/>
+                        </a:lnSpc>
+                        <a:spcAft>
+                          <a:spcPts val="1001"/>
+                        </a:spcAft>
+                      </a:pPr>
+                      <a:r>
+                        <a:rPr lang="en-US" sz="2000" b="0" strike="noStrike" spc="-1" dirty="0" smtClean="0">
+                          <a:latin typeface="Times New Roman" panose="02020603050405020304" pitchFamily="18" charset="0"/>
+                          <a:cs typeface="Times New Roman" panose="02020603050405020304" pitchFamily="18" charset="0"/>
+                        </a:rPr>
+                        <a:t>INT</a:t>
+                      </a:r>
+                      <a:endParaRPr lang="ru-RU" sz="2000" b="0" strike="noStrike" spc="-1" dirty="0">
+                        <a:latin typeface="Times New Roman" panose="02020603050405020304" pitchFamily="18" charset="0"/>
+                        <a:cs typeface="Times New Roman" panose="02020603050405020304" pitchFamily="18" charset="0"/>
+                      </a:endParaRPr>
+                    </a:p>
+                  </a:txBody>
+                  <a:tcPr marL="34920" marR="34920">
+                    <a:lnL w="12240" cap="flat" cmpd="sng" algn="ctr">
+                      <a:solidFill>
+                        <a:srgbClr val="000000"/>
+                      </a:solidFill>
+                      <a:prstDash val="solid"/>
+                      <a:round/>
+                      <a:headEnd type="none" w="med" len="med"/>
+                      <a:tailEnd type="none" w="med" len="med"/>
+                    </a:lnL>
+                    <a:lnR w="12240" cap="flat" cmpd="sng" algn="ctr">
+                      <a:solidFill>
+                        <a:srgbClr val="000000"/>
+                      </a:solidFill>
+                      <a:prstDash val="solid"/>
+                      <a:round/>
+                      <a:headEnd type="none" w="med" len="med"/>
+                      <a:tailEnd type="none" w="med" len="med"/>
+                    </a:lnR>
+                    <a:lnT w="12240" cap="flat" cmpd="sng" algn="ctr">
+                      <a:solidFill>
+                        <a:srgbClr val="000000"/>
+                      </a:solidFill>
+                      <a:prstDash val="solid"/>
+                      <a:round/>
+                      <a:headEnd type="none" w="med" len="med"/>
+                      <a:tailEnd type="none" w="med" len="med"/>
+                    </a:lnT>
+                    <a:lnB w="12240">
+                      <a:solidFill>
+                        <a:srgbClr val="000000"/>
+                      </a:solidFill>
+                    </a:lnB>
+                    <a:noFill/>
+                  </a:tcPr>
+                </a:tc>
+                <a:tc>
+                  <a:txBody>
+                    <a:bodyPr/>
+                    <a:lstStyle/>
+                    <a:p>
+                      <a:pPr>
+                        <a:lnSpc>
+                          <a:spcPct val="100000"/>
+                        </a:lnSpc>
+                        <a:spcAft>
+                          <a:spcPts val="1001"/>
+                        </a:spcAft>
+                      </a:pPr>
+                      <a:endParaRPr lang="ru-RU" sz="2000" b="0" strike="noStrike" spc="-1" dirty="0">
+                        <a:latin typeface="Times New Roman" panose="02020603050405020304" pitchFamily="18" charset="0"/>
+                        <a:cs typeface="Times New Roman" panose="02020603050405020304" pitchFamily="18" charset="0"/>
+                      </a:endParaRPr>
+                    </a:p>
+                  </a:txBody>
+                  <a:tcPr marL="34920" marR="34920">
+                    <a:lnL w="12240" cap="flat" cmpd="sng" algn="ctr">
+                      <a:solidFill>
+                        <a:srgbClr val="000000"/>
+                      </a:solidFill>
+                      <a:prstDash val="solid"/>
+                      <a:round/>
+                      <a:headEnd type="none" w="med" len="med"/>
+                      <a:tailEnd type="none" w="med" len="med"/>
+                    </a:lnL>
+                    <a:lnR w="12240" cap="flat" cmpd="sng" algn="ctr">
+                      <a:solidFill>
+                        <a:srgbClr val="000000"/>
+                      </a:solidFill>
+                      <a:prstDash val="solid"/>
+                      <a:round/>
+                      <a:headEnd type="none" w="med" len="med"/>
+                      <a:tailEnd type="none" w="med" len="med"/>
+                    </a:lnR>
+                    <a:lnT w="12240" cap="flat" cmpd="sng" algn="ctr">
+                      <a:solidFill>
+                        <a:srgbClr val="000000"/>
+                      </a:solidFill>
+                      <a:prstDash val="solid"/>
+                      <a:round/>
+                      <a:headEnd type="none" w="med" len="med"/>
+                      <a:tailEnd type="none" w="med" len="med"/>
+                    </a:lnT>
+                    <a:lnB w="12240">
+                      <a:solidFill>
+                        <a:srgbClr val="000000"/>
+                      </a:solidFill>
+                    </a:lnB>
+                    <a:noFill/>
+                  </a:tcPr>
+                </a:tc>
+                <a:extLst>
+                  <a:ext uri="{0D108BD9-81ED-4DB2-BD59-A6C34878D82A}">
+                    <a16:rowId xmlns:a16="http://schemas.microsoft.com/office/drawing/2014/main" val="2875606822"/>
                   </a:ext>
                 </a:extLst>
               </a:tr>
@@ -12181,7 +12391,7 @@
     <mc:Choice Requires="p14">
       <p:transition spd="slow" p14:dur="2000"/>
     </mc:Choice>
-    <mc:Fallback xmlns:p15="http://schemas.microsoft.com/office/powerpoint/2012/main" xmlns="">
+    <mc:Fallback xmlns="" xmlns:p15="http://schemas.microsoft.com/office/powerpoint/2012/main">
       <p:transition spd="slow"/>
     </mc:Fallback>
   </mc:AlternateContent>
@@ -12300,14 +12510,14 @@
           <p:nvPr>
             <p:extLst>
               <p:ext uri="{D42A27DB-BD31-4B8C-83A1-F6EECF244321}">
-                <p14:modId xmlns:p14="http://schemas.microsoft.com/office/powerpoint/2010/main" val="121825086"/>
+                <p14:modId xmlns:p14="http://schemas.microsoft.com/office/powerpoint/2010/main" val="410374983"/>
               </p:ext>
             </p:extLst>
           </p:nvPr>
         </p:nvGraphicFramePr>
         <p:xfrm>
-          <a:off x="478800" y="1640160"/>
-          <a:ext cx="8156520" cy="4513680"/>
+          <a:off x="539640" y="2264274"/>
+          <a:ext cx="8156520" cy="2494800"/>
         </p:xfrm>
         <a:graphic>
           <a:graphicData uri="http://schemas.openxmlformats.org/drawingml/2006/table">
@@ -12576,7 +12786,7 @@
                         </a:spcAft>
                       </a:pPr>
                       <a:r>
-                        <a:rPr lang="ru-RU" sz="2000" b="0" strike="noStrike" spc="-1">
+                        <a:rPr lang="ru-RU" sz="2000" b="0" strike="noStrike" spc="-1" dirty="0">
                           <a:solidFill>
                             <a:srgbClr val="000000"/>
                           </a:solidFill>
@@ -12585,7 +12795,7 @@
                         </a:rPr>
                         <a:t>INT</a:t>
                       </a:r>
-                      <a:endParaRPr lang="ru-RU" sz="2000" b="0" strike="noStrike" spc="-1">
+                      <a:endParaRPr lang="ru-RU" sz="2000" b="0" strike="noStrike" spc="-1" dirty="0">
                         <a:latin typeface="Arial"/>
                       </a:endParaRPr>
                     </a:p>
@@ -12687,7 +12897,7 @@
                         </a:spcAft>
                       </a:pPr>
                       <a:r>
-                        <a:rPr lang="ru-RU" sz="2000" b="0" strike="noStrike" spc="-1">
+                        <a:rPr lang="ru-RU" sz="2000" b="0" strike="noStrike" spc="-1" dirty="0">
                           <a:solidFill>
                             <a:srgbClr val="000000"/>
                           </a:solidFill>
@@ -12696,7 +12906,7 @@
                         </a:rPr>
                         <a:t>тип</a:t>
                       </a:r>
-                      <a:endParaRPr lang="ru-RU" sz="2000" b="0" strike="noStrike" spc="-1">
+                      <a:endParaRPr lang="ru-RU" sz="2000" b="0" strike="noStrike" spc="-1" dirty="0">
                         <a:latin typeface="Arial"/>
                       </a:endParaRPr>
                     </a:p>
@@ -12739,7 +12949,7 @@
                         </a:spcAft>
                       </a:pPr>
                       <a:r>
-                        <a:rPr lang="en-US" sz="2000" b="0" strike="noStrike" spc="-1">
+                        <a:rPr lang="en-US" sz="2000" b="0" strike="noStrike" spc="-1" dirty="0">
                           <a:solidFill>
                             <a:srgbClr val="000000"/>
                           </a:solidFill>
@@ -12748,150 +12958,7 @@
                         </a:rPr>
                         <a:t>VARCHAR(50)</a:t>
                       </a:r>
-                      <a:endParaRPr lang="ru-RU" sz="2000" b="0" strike="noStrike" spc="-1">
-                        <a:latin typeface="Arial"/>
-                      </a:endParaRPr>
-                    </a:p>
-                  </a:txBody>
-                  <a:tcPr marL="34920" marR="34920">
-                    <a:lnL w="12240">
-                      <a:solidFill>
-                        <a:srgbClr val="000000"/>
-                      </a:solidFill>
-                    </a:lnL>
-                    <a:lnR w="12240">
-                      <a:solidFill>
-                        <a:srgbClr val="000000"/>
-                      </a:solidFill>
-                    </a:lnR>
-                    <a:lnT w="12240">
-                      <a:solidFill>
-                        <a:srgbClr val="000000"/>
-                      </a:solidFill>
-                    </a:lnT>
-                    <a:lnB w="12240">
-                      <a:solidFill>
-                        <a:srgbClr val="000000"/>
-                      </a:solidFill>
-                    </a:lnB>
-                    <a:noFill/>
-                  </a:tcPr>
-                </a:tc>
-                <a:tc>
-                  <a:txBody>
-                    <a:bodyPr/>
-                    <a:lstStyle/>
-                    <a:p>
-                      <a:endParaRPr lang="ru-RU"/>
-                    </a:p>
-                  </a:txBody>
-                  <a:tcPr marL="34920" marR="34920">
-                    <a:lnL w="12240">
-                      <a:solidFill>
-                        <a:srgbClr val="000000"/>
-                      </a:solidFill>
-                    </a:lnL>
-                    <a:lnR w="12240">
-                      <a:solidFill>
-                        <a:srgbClr val="000000"/>
-                      </a:solidFill>
-                    </a:lnR>
-                    <a:lnT w="12240">
-                      <a:solidFill>
-                        <a:srgbClr val="000000"/>
-                      </a:solidFill>
-                    </a:lnT>
-                    <a:lnB w="12240">
-                      <a:solidFill>
-                        <a:srgbClr val="000000"/>
-                      </a:solidFill>
-                    </a:lnB>
-                    <a:noFill/>
-                  </a:tcPr>
-                </a:tc>
-                <a:extLst>
-                  <a:ext uri="{0D108BD9-81ED-4DB2-BD59-A6C34878D82A}">
-                    <a16:rowId xmlns:a16="http://schemas.microsoft.com/office/drawing/2014/main" val="10002"/>
-                  </a:ext>
-                </a:extLst>
-              </a:tr>
-              <a:tr h="2018880">
-                <a:tc>
-                  <a:txBody>
-                    <a:bodyPr/>
-                    <a:lstStyle/>
-                    <a:p>
-                      <a:pPr>
-                        <a:lnSpc>
-                          <a:spcPct val="100000"/>
-                        </a:lnSpc>
-                        <a:spcAft>
-                          <a:spcPts val="1001"/>
-                        </a:spcAft>
-                      </a:pPr>
-                      <a:r>
-                        <a:rPr lang="ru-RU" sz="2000" b="0" strike="noStrike" spc="-1">
-                          <a:solidFill>
-                            <a:srgbClr val="000000"/>
-                          </a:solidFill>
-                          <a:latin typeface="Times New Roman"/>
-                          <a:ea typeface="DejaVu Sans"/>
-                        </a:rPr>
-                        <a:t>количество</a:t>
-                      </a:r>
-                      <a:endParaRPr lang="ru-RU" sz="2000" b="0" strike="noStrike" spc="-1">
-                        <a:latin typeface="Arial"/>
-                      </a:endParaRPr>
-                    </a:p>
-                  </a:txBody>
-                  <a:tcPr marL="34920" marR="34920">
-                    <a:lnL w="12240">
-                      <a:solidFill>
-                        <a:srgbClr val="000000"/>
-                      </a:solidFill>
-                    </a:lnL>
-                    <a:lnR w="12240">
-                      <a:solidFill>
-                        <a:srgbClr val="000000"/>
-                      </a:solidFill>
-                    </a:lnR>
-                    <a:lnT w="12240">
-                      <a:solidFill>
-                        <a:srgbClr val="000000"/>
-                      </a:solidFill>
-                    </a:lnT>
-                    <a:lnB w="12240">
-                      <a:solidFill>
-                        <a:srgbClr val="000000"/>
-                      </a:solidFill>
-                    </a:lnB>
-                    <a:noFill/>
-                  </a:tcPr>
-                </a:tc>
-                <a:tc>
-                  <a:txBody>
-                    <a:bodyPr/>
-                    <a:lstStyle/>
-                    <a:p>
-                      <a:pPr>
-                        <a:lnSpc>
-                          <a:spcPct val="100000"/>
-                        </a:lnSpc>
-                        <a:spcAft>
-                          <a:spcPts val="1001"/>
-                        </a:spcAft>
-                      </a:pPr>
-                      <a:r>
-                        <a:rPr lang="en-US" sz="2000" b="0" strike="noStrike" spc="-1">
-                          <a:solidFill>
-                            <a:srgbClr val="000000"/>
-                          </a:solidFill>
-                          <a:latin typeface="Times New Roman"/>
-                          <a:ea typeface="DejaVu Sans"/>
-                        </a:rPr>
-                        <a:t>INT</a:t>
-                      </a:r>
-                      <a:endParaRPr lang="ru-RU" sz="2000" b="0" strike="noStrike" spc="-1">
+                      <a:endParaRPr lang="ru-RU" sz="2000" b="0" strike="noStrike" spc="-1" dirty="0">
                         <a:latin typeface="Arial"/>
                       </a:endParaRPr>
                     </a:p>
@@ -12954,7 +13021,7 @@
                 </a:tc>
                 <a:extLst>
                   <a:ext uri="{0D108BD9-81ED-4DB2-BD59-A6C34878D82A}">
-                    <a16:rowId xmlns:a16="http://schemas.microsoft.com/office/drawing/2014/main" val="10003"/>
+                    <a16:rowId xmlns:a16="http://schemas.microsoft.com/office/drawing/2014/main" val="10002"/>
                   </a:ext>
                 </a:extLst>
               </a:tr>
@@ -12971,7 +13038,7 @@
     <mc:Choice Requires="p14">
       <p:transition spd="slow" p14:dur="2000"/>
     </mc:Choice>
-    <mc:Fallback xmlns:p15="http://schemas.microsoft.com/office/powerpoint/2012/main" xmlns="">
+    <mc:Fallback xmlns="" xmlns:p15="http://schemas.microsoft.com/office/powerpoint/2012/main">
       <p:transition spd="slow"/>
     </mc:Fallback>
   </mc:AlternateContent>
@@ -14174,7 +14241,7 @@
     <mc:Choice Requires="p14">
       <p:transition spd="slow" p14:dur="2000"/>
     </mc:Choice>
-    <mc:Fallback xmlns:p15="http://schemas.microsoft.com/office/powerpoint/2012/main" xmlns="">
+    <mc:Fallback xmlns="" xmlns:p15="http://schemas.microsoft.com/office/powerpoint/2012/main">
       <p:transition spd="slow"/>
     </mc:Fallback>
   </mc:AlternateContent>
@@ -14290,10 +14357,16 @@
         <p:nvGraphicFramePr>
           <p:cNvPr id="171" name="Table 2"/>
           <p:cNvGraphicFramePr/>
-          <p:nvPr/>
+          <p:nvPr>
+            <p:extLst>
+              <p:ext uri="{D42A27DB-BD31-4B8C-83A1-F6EECF244321}">
+                <p14:modId xmlns:p14="http://schemas.microsoft.com/office/powerpoint/2010/main" val="880200536"/>
+              </p:ext>
+            </p:extLst>
+          </p:nvPr>
         </p:nvGraphicFramePr>
         <p:xfrm>
-          <a:off x="539640" y="1556640"/>
+          <a:off x="539640" y="2209783"/>
           <a:ext cx="8064360" cy="2001240"/>
         </p:xfrm>
         <a:graphic>
@@ -14759,7 +14832,7 @@
                     <a:bodyPr/>
                     <a:lstStyle/>
                     <a:p>
-                      <a:endParaRPr lang="ru-RU"/>
+                      <a:endParaRPr lang="ru-RU" dirty="0"/>
                     </a:p>
                   </a:txBody>
                   <a:tcPr marL="34920" marR="34920">
@@ -14805,7 +14878,7 @@
     <mc:Choice Requires="p14">
       <p:transition spd="slow" p14:dur="2000"/>
     </mc:Choice>
-    <mc:Fallback xmlns:p15="http://schemas.microsoft.com/office/powerpoint/2012/main" xmlns="">
+    <mc:Fallback xmlns="" xmlns:p15="http://schemas.microsoft.com/office/powerpoint/2012/main">
       <p:transition spd="slow"/>
     </mc:Fallback>
   </mc:AlternateContent>
